--- a/Презентация1.pptx
+++ b/Презентация1.pptx
@@ -4,12 +4,16 @@
   <p:sldMasterIdLst>
     <p:sldMasterId id="2147483660" r:id="rId1"/>
   </p:sldMasterIdLst>
+  <p:notesMasterIdLst>
+    <p:notesMasterId r:id="rId8"/>
+  </p:notesMasterIdLst>
   <p:sldIdLst>
     <p:sldId id="256" r:id="rId2"/>
     <p:sldId id="257" r:id="rId3"/>
     <p:sldId id="258" r:id="rId4"/>
     <p:sldId id="259" r:id="rId5"/>
     <p:sldId id="260" r:id="rId6"/>
+    <p:sldId id="261" r:id="rId7"/>
   </p:sldIdLst>
   <p:sldSz cx="9144000" cy="6858000" type="screen4x3"/>
   <p:notesSz cx="6858000" cy="9144000"/>
@@ -111,6 +115,440 @@
 </p:presentation>
 </file>
 
+<file path=ppt/notesMasters/notesMaster1.xml><?xml version="1.0" encoding="utf-8"?>
+<p:notesMaster xmlns:a="http://schemas.openxmlformats.org/drawingml/2006/main" xmlns:r="http://schemas.openxmlformats.org/officeDocument/2006/relationships" xmlns:p="http://schemas.openxmlformats.org/presentationml/2006/main">
+  <p:cSld>
+    <p:bg>
+      <p:bgRef idx="1001">
+        <a:schemeClr val="bg1"/>
+      </p:bgRef>
+    </p:bg>
+    <p:spTree>
+      <p:nvGrpSpPr>
+        <p:cNvPr id="1" name=""/>
+        <p:cNvGrpSpPr/>
+        <p:nvPr/>
+      </p:nvGrpSpPr>
+      <p:grpSpPr>
+        <a:xfrm>
+          <a:off x="0" y="0"/>
+          <a:ext cx="0" cy="0"/>
+          <a:chOff x="0" y="0"/>
+          <a:chExt cx="0" cy="0"/>
+        </a:xfrm>
+      </p:grpSpPr>
+      <p:sp>
+        <p:nvSpPr>
+          <p:cNvPr id="2" name="Верхний колонтитул 1"/>
+          <p:cNvSpPr>
+            <a:spLocks noGrp="1"/>
+          </p:cNvSpPr>
+          <p:nvPr>
+            <p:ph type="hdr" sz="quarter"/>
+          </p:nvPr>
+        </p:nvSpPr>
+        <p:spPr>
+          <a:xfrm>
+            <a:off x="0" y="0"/>
+            <a:ext cx="2971800" cy="457200"/>
+          </a:xfrm>
+          <a:prstGeom prst="rect">
+            <a:avLst/>
+          </a:prstGeom>
+        </p:spPr>
+        <p:txBody>
+          <a:bodyPr vert="horz" lIns="91440" tIns="45720" rIns="91440" bIns="45720" rtlCol="0"/>
+          <a:lstStyle>
+            <a:lvl1pPr algn="l">
+              <a:defRPr sz="1200"/>
+            </a:lvl1pPr>
+          </a:lstStyle>
+          <a:p>
+            <a:endParaRPr lang="ru-RU" dirty="0"/>
+          </a:p>
+        </p:txBody>
+      </p:sp>
+      <p:sp>
+        <p:nvSpPr>
+          <p:cNvPr id="3" name="Дата 2"/>
+          <p:cNvSpPr>
+            <a:spLocks noGrp="1"/>
+          </p:cNvSpPr>
+          <p:nvPr>
+            <p:ph type="dt" idx="1"/>
+          </p:nvPr>
+        </p:nvSpPr>
+        <p:spPr>
+          <a:xfrm>
+            <a:off x="3884613" y="0"/>
+            <a:ext cx="2971800" cy="457200"/>
+          </a:xfrm>
+          <a:prstGeom prst="rect">
+            <a:avLst/>
+          </a:prstGeom>
+        </p:spPr>
+        <p:txBody>
+          <a:bodyPr vert="horz" lIns="91440" tIns="45720" rIns="91440" bIns="45720" rtlCol="0"/>
+          <a:lstStyle>
+            <a:lvl1pPr algn="r">
+              <a:defRPr sz="1200"/>
+            </a:lvl1pPr>
+          </a:lstStyle>
+          <a:p>
+            <a:fld id="{59CF4226-F96F-475D-BA6A-281593DB9A27}" type="datetimeFigureOut">
+              <a:rPr lang="ru-RU" smtClean="0"/>
+              <a:t>29.04.2021</a:t>
+            </a:fld>
+            <a:endParaRPr lang="ru-RU" dirty="0"/>
+          </a:p>
+        </p:txBody>
+      </p:sp>
+      <p:sp>
+        <p:nvSpPr>
+          <p:cNvPr id="4" name="Образ слайда 3"/>
+          <p:cNvSpPr>
+            <a:spLocks noGrp="1" noRot="1" noChangeAspect="1"/>
+          </p:cNvSpPr>
+          <p:nvPr>
+            <p:ph type="sldImg" idx="2"/>
+          </p:nvPr>
+        </p:nvSpPr>
+        <p:spPr>
+          <a:xfrm>
+            <a:off x="1143000" y="685800"/>
+            <a:ext cx="4572000" cy="3429000"/>
+          </a:xfrm>
+          <a:prstGeom prst="rect">
+            <a:avLst/>
+          </a:prstGeom>
+          <a:noFill/>
+          <a:ln w="12700">
+            <a:solidFill>
+              <a:prstClr val="black"/>
+            </a:solidFill>
+          </a:ln>
+        </p:spPr>
+        <p:txBody>
+          <a:bodyPr vert="horz" lIns="91440" tIns="45720" rIns="91440" bIns="45720" rtlCol="0" anchor="ctr"/>
+          <a:lstStyle/>
+          <a:p>
+            <a:endParaRPr lang="ru-RU" dirty="0"/>
+          </a:p>
+        </p:txBody>
+      </p:sp>
+      <p:sp>
+        <p:nvSpPr>
+          <p:cNvPr id="5" name="Заметки 4"/>
+          <p:cNvSpPr>
+            <a:spLocks noGrp="1"/>
+          </p:cNvSpPr>
+          <p:nvPr>
+            <p:ph type="body" sz="quarter" idx="3"/>
+          </p:nvPr>
+        </p:nvSpPr>
+        <p:spPr>
+          <a:xfrm>
+            <a:off x="685800" y="4343400"/>
+            <a:ext cx="5486400" cy="4114800"/>
+          </a:xfrm>
+          <a:prstGeom prst="rect">
+            <a:avLst/>
+          </a:prstGeom>
+        </p:spPr>
+        <p:txBody>
+          <a:bodyPr vert="horz" lIns="91440" tIns="45720" rIns="91440" bIns="45720" rtlCol="0"/>
+          <a:lstStyle/>
+          <a:p>
+            <a:pPr lvl="0"/>
+            <a:r>
+              <a:rPr lang="ru-RU" smtClean="0"/>
+              <a:t>Образец текста</a:t>
+            </a:r>
+          </a:p>
+          <a:p>
+            <a:pPr lvl="1"/>
+            <a:r>
+              <a:rPr lang="ru-RU" smtClean="0"/>
+              <a:t>Второй уровень</a:t>
+            </a:r>
+          </a:p>
+          <a:p>
+            <a:pPr lvl="2"/>
+            <a:r>
+              <a:rPr lang="ru-RU" smtClean="0"/>
+              <a:t>Третий уровень</a:t>
+            </a:r>
+          </a:p>
+          <a:p>
+            <a:pPr lvl="3"/>
+            <a:r>
+              <a:rPr lang="ru-RU" smtClean="0"/>
+              <a:t>Четвертый уровень</a:t>
+            </a:r>
+          </a:p>
+          <a:p>
+            <a:pPr lvl="4"/>
+            <a:r>
+              <a:rPr lang="ru-RU" smtClean="0"/>
+              <a:t>Пятый уровень</a:t>
+            </a:r>
+            <a:endParaRPr lang="ru-RU"/>
+          </a:p>
+        </p:txBody>
+      </p:sp>
+      <p:sp>
+        <p:nvSpPr>
+          <p:cNvPr id="6" name="Нижний колонтитул 5"/>
+          <p:cNvSpPr>
+            <a:spLocks noGrp="1"/>
+          </p:cNvSpPr>
+          <p:nvPr>
+            <p:ph type="ftr" sz="quarter" idx="4"/>
+          </p:nvPr>
+        </p:nvSpPr>
+        <p:spPr>
+          <a:xfrm>
+            <a:off x="0" y="8685213"/>
+            <a:ext cx="2971800" cy="457200"/>
+          </a:xfrm>
+          <a:prstGeom prst="rect">
+            <a:avLst/>
+          </a:prstGeom>
+        </p:spPr>
+        <p:txBody>
+          <a:bodyPr vert="horz" lIns="91440" tIns="45720" rIns="91440" bIns="45720" rtlCol="0" anchor="b"/>
+          <a:lstStyle>
+            <a:lvl1pPr algn="l">
+              <a:defRPr sz="1200"/>
+            </a:lvl1pPr>
+          </a:lstStyle>
+          <a:p>
+            <a:endParaRPr lang="ru-RU" dirty="0"/>
+          </a:p>
+        </p:txBody>
+      </p:sp>
+      <p:sp>
+        <p:nvSpPr>
+          <p:cNvPr id="7" name="Номер слайда 6"/>
+          <p:cNvSpPr>
+            <a:spLocks noGrp="1"/>
+          </p:cNvSpPr>
+          <p:nvPr>
+            <p:ph type="sldNum" sz="quarter" idx="5"/>
+          </p:nvPr>
+        </p:nvSpPr>
+        <p:spPr>
+          <a:xfrm>
+            <a:off x="3884613" y="8685213"/>
+            <a:ext cx="2971800" cy="457200"/>
+          </a:xfrm>
+          <a:prstGeom prst="rect">
+            <a:avLst/>
+          </a:prstGeom>
+        </p:spPr>
+        <p:txBody>
+          <a:bodyPr vert="horz" lIns="91440" tIns="45720" rIns="91440" bIns="45720" rtlCol="0" anchor="b"/>
+          <a:lstStyle>
+            <a:lvl1pPr algn="r">
+              <a:defRPr sz="1200"/>
+            </a:lvl1pPr>
+          </a:lstStyle>
+          <a:p>
+            <a:fld id="{3296764C-ACEE-418C-9BA7-50095D68F0E8}" type="slidenum">
+              <a:rPr lang="ru-RU" smtClean="0"/>
+              <a:t>‹#›</a:t>
+            </a:fld>
+            <a:endParaRPr lang="ru-RU" dirty="0"/>
+          </a:p>
+        </p:txBody>
+      </p:sp>
+    </p:spTree>
+    <p:extLst>
+      <p:ext uri="{BB962C8B-B14F-4D97-AF65-F5344CB8AC3E}">
+        <p14:creationId xmlns:p14="http://schemas.microsoft.com/office/powerpoint/2010/main" val="3957150027"/>
+      </p:ext>
+    </p:extLst>
+  </p:cSld>
+  <p:clrMap bg1="lt1" tx1="dk1" bg2="lt2" tx2="dk2" accent1="accent1" accent2="accent2" accent3="accent3" accent4="accent4" accent5="accent5" accent6="accent6" hlink="hlink" folHlink="folHlink"/>
+  <p:notesStyle>
+    <a:lvl1pPr marL="0" algn="l" defTabSz="914400" rtl="0" eaLnBrk="1" latinLnBrk="0" hangingPunct="1">
+      <a:defRPr sz="1200" kern="1200">
+        <a:solidFill>
+          <a:schemeClr val="tx1"/>
+        </a:solidFill>
+        <a:latin typeface="+mn-lt"/>
+        <a:ea typeface="+mn-ea"/>
+        <a:cs typeface="+mn-cs"/>
+      </a:defRPr>
+    </a:lvl1pPr>
+    <a:lvl2pPr marL="457200" algn="l" defTabSz="914400" rtl="0" eaLnBrk="1" latinLnBrk="0" hangingPunct="1">
+      <a:defRPr sz="1200" kern="1200">
+        <a:solidFill>
+          <a:schemeClr val="tx1"/>
+        </a:solidFill>
+        <a:latin typeface="+mn-lt"/>
+        <a:ea typeface="+mn-ea"/>
+        <a:cs typeface="+mn-cs"/>
+      </a:defRPr>
+    </a:lvl2pPr>
+    <a:lvl3pPr marL="914400" algn="l" defTabSz="914400" rtl="0" eaLnBrk="1" latinLnBrk="0" hangingPunct="1">
+      <a:defRPr sz="1200" kern="1200">
+        <a:solidFill>
+          <a:schemeClr val="tx1"/>
+        </a:solidFill>
+        <a:latin typeface="+mn-lt"/>
+        <a:ea typeface="+mn-ea"/>
+        <a:cs typeface="+mn-cs"/>
+      </a:defRPr>
+    </a:lvl3pPr>
+    <a:lvl4pPr marL="1371600" algn="l" defTabSz="914400" rtl="0" eaLnBrk="1" latinLnBrk="0" hangingPunct="1">
+      <a:defRPr sz="1200" kern="1200">
+        <a:solidFill>
+          <a:schemeClr val="tx1"/>
+        </a:solidFill>
+        <a:latin typeface="+mn-lt"/>
+        <a:ea typeface="+mn-ea"/>
+        <a:cs typeface="+mn-cs"/>
+      </a:defRPr>
+    </a:lvl4pPr>
+    <a:lvl5pPr marL="1828800" algn="l" defTabSz="914400" rtl="0" eaLnBrk="1" latinLnBrk="0" hangingPunct="1">
+      <a:defRPr sz="1200" kern="1200">
+        <a:solidFill>
+          <a:schemeClr val="tx1"/>
+        </a:solidFill>
+        <a:latin typeface="+mn-lt"/>
+        <a:ea typeface="+mn-ea"/>
+        <a:cs typeface="+mn-cs"/>
+      </a:defRPr>
+    </a:lvl5pPr>
+    <a:lvl6pPr marL="2286000" algn="l" defTabSz="914400" rtl="0" eaLnBrk="1" latinLnBrk="0" hangingPunct="1">
+      <a:defRPr sz="1200" kern="1200">
+        <a:solidFill>
+          <a:schemeClr val="tx1"/>
+        </a:solidFill>
+        <a:latin typeface="+mn-lt"/>
+        <a:ea typeface="+mn-ea"/>
+        <a:cs typeface="+mn-cs"/>
+      </a:defRPr>
+    </a:lvl6pPr>
+    <a:lvl7pPr marL="2743200" algn="l" defTabSz="914400" rtl="0" eaLnBrk="1" latinLnBrk="0" hangingPunct="1">
+      <a:defRPr sz="1200" kern="1200">
+        <a:solidFill>
+          <a:schemeClr val="tx1"/>
+        </a:solidFill>
+        <a:latin typeface="+mn-lt"/>
+        <a:ea typeface="+mn-ea"/>
+        <a:cs typeface="+mn-cs"/>
+      </a:defRPr>
+    </a:lvl7pPr>
+    <a:lvl8pPr marL="3200400" algn="l" defTabSz="914400" rtl="0" eaLnBrk="1" latinLnBrk="0" hangingPunct="1">
+      <a:defRPr sz="1200" kern="1200">
+        <a:solidFill>
+          <a:schemeClr val="tx1"/>
+        </a:solidFill>
+        <a:latin typeface="+mn-lt"/>
+        <a:ea typeface="+mn-ea"/>
+        <a:cs typeface="+mn-cs"/>
+      </a:defRPr>
+    </a:lvl8pPr>
+    <a:lvl9pPr marL="3657600" algn="l" defTabSz="914400" rtl="0" eaLnBrk="1" latinLnBrk="0" hangingPunct="1">
+      <a:defRPr sz="1200" kern="1200">
+        <a:solidFill>
+          <a:schemeClr val="tx1"/>
+        </a:solidFill>
+        <a:latin typeface="+mn-lt"/>
+        <a:ea typeface="+mn-ea"/>
+        <a:cs typeface="+mn-cs"/>
+      </a:defRPr>
+    </a:lvl9pPr>
+  </p:notesStyle>
+</p:notesMaster>
+</file>
+
+<file path=ppt/notesSlides/notesSlide1.xml><?xml version="1.0" encoding="utf-8"?>
+<p:notes xmlns:a="http://schemas.openxmlformats.org/drawingml/2006/main" xmlns:r="http://schemas.openxmlformats.org/officeDocument/2006/relationships" xmlns:p="http://schemas.openxmlformats.org/presentationml/2006/main">
+  <p:cSld>
+    <p:spTree>
+      <p:nvGrpSpPr>
+        <p:cNvPr id="1" name=""/>
+        <p:cNvGrpSpPr/>
+        <p:nvPr/>
+      </p:nvGrpSpPr>
+      <p:grpSpPr>
+        <a:xfrm>
+          <a:off x="0" y="0"/>
+          <a:ext cx="0" cy="0"/>
+          <a:chOff x="0" y="0"/>
+          <a:chExt cx="0" cy="0"/>
+        </a:xfrm>
+      </p:grpSpPr>
+      <p:sp>
+        <p:nvSpPr>
+          <p:cNvPr id="2" name="Образ слайда 1"/>
+          <p:cNvSpPr>
+            <a:spLocks noGrp="1" noRot="1" noChangeAspect="1"/>
+          </p:cNvSpPr>
+          <p:nvPr>
+            <p:ph type="sldImg"/>
+          </p:nvPr>
+        </p:nvSpPr>
+        <p:spPr/>
+      </p:sp>
+      <p:sp>
+        <p:nvSpPr>
+          <p:cNvPr id="3" name="Заметки 2"/>
+          <p:cNvSpPr>
+            <a:spLocks noGrp="1"/>
+          </p:cNvSpPr>
+          <p:nvPr>
+            <p:ph type="body" idx="1"/>
+          </p:nvPr>
+        </p:nvSpPr>
+        <p:spPr/>
+        <p:txBody>
+          <a:bodyPr/>
+          <a:lstStyle/>
+          <a:p>
+            <a:endParaRPr lang="ru-RU" dirty="0"/>
+          </a:p>
+        </p:txBody>
+      </p:sp>
+      <p:sp>
+        <p:nvSpPr>
+          <p:cNvPr id="4" name="Номер слайда 3"/>
+          <p:cNvSpPr>
+            <a:spLocks noGrp="1"/>
+          </p:cNvSpPr>
+          <p:nvPr>
+            <p:ph type="sldNum" sz="quarter" idx="10"/>
+          </p:nvPr>
+        </p:nvSpPr>
+        <p:spPr/>
+        <p:txBody>
+          <a:bodyPr/>
+          <a:lstStyle/>
+          <a:p>
+            <a:fld id="{3296764C-ACEE-418C-9BA7-50095D68F0E8}" type="slidenum">
+              <a:rPr lang="ru-RU" smtClean="0"/>
+              <a:t>3</a:t>
+            </a:fld>
+            <a:endParaRPr lang="ru-RU" dirty="0"/>
+          </a:p>
+        </p:txBody>
+      </p:sp>
+    </p:spTree>
+    <p:extLst>
+      <p:ext uri="{BB962C8B-B14F-4D97-AF65-F5344CB8AC3E}">
+        <p14:creationId xmlns:p14="http://schemas.microsoft.com/office/powerpoint/2010/main" val="2668970412"/>
+      </p:ext>
+    </p:extLst>
+  </p:cSld>
+  <p:clrMapOvr>
+    <a:masterClrMapping/>
+  </p:clrMapOvr>
+</p:notes>
+</file>
+
 <file path=ppt/slideLayouts/slideLayout1.xml><?xml version="1.0" encoding="utf-8"?>
 <p:sldLayout xmlns:a="http://schemas.openxmlformats.org/drawingml/2006/main" xmlns:r="http://schemas.openxmlformats.org/officeDocument/2006/relationships" xmlns:p="http://schemas.openxmlformats.org/presentationml/2006/main" type="title" preserve="1">
   <p:cSld name="Титульный слайд">
@@ -283,7 +721,7 @@
           <a:p>
             <a:fld id="{9ED71B47-BA04-4EC2-A59A-6FB169970F91}" type="datetimeFigureOut">
               <a:rPr lang="ru-RU" smtClean="0"/>
-              <a:t>28.04.2021</a:t>
+              <a:t>29.04.2021</a:t>
             </a:fld>
             <a:endParaRPr lang="ru-RU" dirty="0"/>
           </a:p>
@@ -546,7 +984,7 @@
           <a:p>
             <a:fld id="{9ED71B47-BA04-4EC2-A59A-6FB169970F91}" type="datetimeFigureOut">
               <a:rPr lang="ru-RU" smtClean="0"/>
-              <a:t>28.04.2021</a:t>
+              <a:t>29.04.2021</a:t>
             </a:fld>
             <a:endParaRPr lang="ru-RU" dirty="0"/>
           </a:p>
@@ -773,7 +1211,7 @@
           <a:p>
             <a:fld id="{9ED71B47-BA04-4EC2-A59A-6FB169970F91}" type="datetimeFigureOut">
               <a:rPr lang="ru-RU" smtClean="0"/>
-              <a:t>28.04.2021</a:t>
+              <a:t>29.04.2021</a:t>
             </a:fld>
             <a:endParaRPr lang="ru-RU" dirty="0"/>
           </a:p>
@@ -1079,7 +1517,7 @@
           <a:p>
             <a:fld id="{9ED71B47-BA04-4EC2-A59A-6FB169970F91}" type="datetimeFigureOut">
               <a:rPr lang="ru-RU" smtClean="0"/>
-              <a:t>28.04.2021</a:t>
+              <a:t>29.04.2021</a:t>
             </a:fld>
             <a:endParaRPr lang="ru-RU" dirty="0"/>
           </a:p>
@@ -1548,7 +1986,7 @@
           <a:p>
             <a:fld id="{9ED71B47-BA04-4EC2-A59A-6FB169970F91}" type="datetimeFigureOut">
               <a:rPr lang="ru-RU" smtClean="0"/>
-              <a:t>28.04.2021</a:t>
+              <a:t>29.04.2021</a:t>
             </a:fld>
             <a:endParaRPr lang="ru-RU" dirty="0"/>
           </a:p>
@@ -2091,7 +2529,7 @@
           <a:p>
             <a:fld id="{9ED71B47-BA04-4EC2-A59A-6FB169970F91}" type="datetimeFigureOut">
               <a:rPr lang="ru-RU" smtClean="0"/>
-              <a:t>28.04.2021</a:t>
+              <a:t>29.04.2021</a:t>
             </a:fld>
             <a:endParaRPr lang="ru-RU" dirty="0"/>
           </a:p>
@@ -2861,7 +3299,7 @@
           <a:p>
             <a:fld id="{9ED71B47-BA04-4EC2-A59A-6FB169970F91}" type="datetimeFigureOut">
               <a:rPr lang="ru-RU" smtClean="0"/>
-              <a:t>28.04.2021</a:t>
+              <a:t>29.04.2021</a:t>
             </a:fld>
             <a:endParaRPr lang="ru-RU" dirty="0"/>
           </a:p>
@@ -3031,7 +3469,7 @@
           <a:p>
             <a:fld id="{9ED71B47-BA04-4EC2-A59A-6FB169970F91}" type="datetimeFigureOut">
               <a:rPr lang="ru-RU" smtClean="0"/>
-              <a:t>28.04.2021</a:t>
+              <a:t>29.04.2021</a:t>
             </a:fld>
             <a:endParaRPr lang="ru-RU" dirty="0"/>
           </a:p>
@@ -3249,7 +3687,7 @@
           <a:p>
             <a:fld id="{9ED71B47-BA04-4EC2-A59A-6FB169970F91}" type="datetimeFigureOut">
               <a:rPr lang="ru-RU" smtClean="0"/>
-              <a:t>28.04.2021</a:t>
+              <a:t>29.04.2021</a:t>
             </a:fld>
             <a:endParaRPr lang="ru-RU" dirty="0"/>
           </a:p>
@@ -3424,7 +3862,7 @@
           <a:p>
             <a:fld id="{9ED71B47-BA04-4EC2-A59A-6FB169970F91}" type="datetimeFigureOut">
               <a:rPr lang="ru-RU" smtClean="0"/>
-              <a:t>28.04.2021</a:t>
+              <a:t>29.04.2021</a:t>
             </a:fld>
             <a:endParaRPr lang="ru-RU" dirty="0"/>
           </a:p>
@@ -3709,7 +4147,7 @@
           <a:p>
             <a:fld id="{9ED71B47-BA04-4EC2-A59A-6FB169970F91}" type="datetimeFigureOut">
               <a:rPr lang="ru-RU" smtClean="0"/>
-              <a:t>28.04.2021</a:t>
+              <a:t>29.04.2021</a:t>
             </a:fld>
             <a:endParaRPr lang="ru-RU" dirty="0"/>
           </a:p>
@@ -3945,7 +4383,7 @@
           <a:p>
             <a:fld id="{9ED71B47-BA04-4EC2-A59A-6FB169970F91}" type="datetimeFigureOut">
               <a:rPr lang="ru-RU" smtClean="0"/>
-              <a:t>28.04.2021</a:t>
+              <a:t>29.04.2021</a:t>
             </a:fld>
             <a:endParaRPr lang="ru-RU" dirty="0"/>
           </a:p>
@@ -4318,7 +4756,7 @@
           <a:p>
             <a:fld id="{9ED71B47-BA04-4EC2-A59A-6FB169970F91}" type="datetimeFigureOut">
               <a:rPr lang="ru-RU" smtClean="0"/>
-              <a:t>28.04.2021</a:t>
+              <a:t>29.04.2021</a:t>
             </a:fld>
             <a:endParaRPr lang="ru-RU" dirty="0"/>
           </a:p>
@@ -4432,7 +4870,7 @@
           <a:p>
             <a:fld id="{9ED71B47-BA04-4EC2-A59A-6FB169970F91}" type="datetimeFigureOut">
               <a:rPr lang="ru-RU" smtClean="0"/>
-              <a:t>28.04.2021</a:t>
+              <a:t>29.04.2021</a:t>
             </a:fld>
             <a:endParaRPr lang="ru-RU" dirty="0"/>
           </a:p>
@@ -4522,7 +4960,7 @@
           <a:p>
             <a:fld id="{9ED71B47-BA04-4EC2-A59A-6FB169970F91}" type="datetimeFigureOut">
               <a:rPr lang="ru-RU" smtClean="0"/>
-              <a:t>28.04.2021</a:t>
+              <a:t>29.04.2021</a:t>
             </a:fld>
             <a:endParaRPr lang="ru-RU" dirty="0"/>
           </a:p>
@@ -4766,7 +5204,7 @@
           <a:p>
             <a:fld id="{9ED71B47-BA04-4EC2-A59A-6FB169970F91}" type="datetimeFigureOut">
               <a:rPr lang="ru-RU" smtClean="0"/>
-              <a:t>28.04.2021</a:t>
+              <a:t>29.04.2021</a:t>
             </a:fld>
             <a:endParaRPr lang="ru-RU" dirty="0"/>
           </a:p>
@@ -5019,7 +5457,7 @@
           <a:p>
             <a:fld id="{9ED71B47-BA04-4EC2-A59A-6FB169970F91}" type="datetimeFigureOut">
               <a:rPr lang="ru-RU" smtClean="0"/>
-              <a:t>28.04.2021</a:t>
+              <a:t>29.04.2021</a:t>
             </a:fld>
             <a:endParaRPr lang="ru-RU" dirty="0"/>
           </a:p>
@@ -5256,7 +5694,7 @@
           <a:p>
             <a:fld id="{9ED71B47-BA04-4EC2-A59A-6FB169970F91}" type="datetimeFigureOut">
               <a:rPr lang="ru-RU" smtClean="0"/>
-              <a:t>28.04.2021</a:t>
+              <a:t>29.04.2021</a:t>
             </a:fld>
             <a:endParaRPr lang="ru-RU" dirty="0"/>
           </a:p>
@@ -5727,6 +6165,8 @@
                 <a:effectLst>
                   <a:reflection blurRad="12700" stA="28000" endPos="45000" dist="1000" dir="5400000" sy="-100000" algn="bl" rotWithShape="0"/>
                 </a:effectLst>
+                <a:latin typeface="Times New Roman" pitchFamily="18" charset="0"/>
+                <a:cs typeface="Times New Roman" pitchFamily="18" charset="0"/>
               </a:rPr>
               <a:t>К</a:t>
             </a:r>
@@ -5772,6 +6212,8 @@
                 <a:effectLst>
                   <a:reflection blurRad="12700" stA="28000" endPos="45000" dist="1000" dir="5400000" sy="-100000" algn="bl" rotWithShape="0"/>
                 </a:effectLst>
+                <a:latin typeface="Times New Roman" pitchFamily="18" charset="0"/>
+                <a:cs typeface="Times New Roman" pitchFamily="18" charset="0"/>
               </a:rPr>
               <a:t>омандный проект </a:t>
             </a:r>
@@ -5820,6 +6262,8 @@
                 <a:effectLst>
                   <a:reflection blurRad="12700" stA="28000" endPos="45000" dist="1000" dir="5400000" sy="-100000" algn="bl" rotWithShape="0"/>
                 </a:effectLst>
+                <a:latin typeface="Times New Roman" pitchFamily="18" charset="0"/>
+                <a:cs typeface="Times New Roman" pitchFamily="18" charset="0"/>
               </a:rPr>
               <a:t>по теме </a:t>
             </a:r>
@@ -5864,6 +6308,8 @@
               <a:effectLst>
                 <a:reflection blurRad="12700" stA="28000" endPos="45000" dist="1000" dir="5400000" sy="-100000" algn="bl" rotWithShape="0"/>
               </a:effectLst>
+              <a:latin typeface="Times New Roman" pitchFamily="18" charset="0"/>
+              <a:cs typeface="Times New Roman" pitchFamily="18" charset="0"/>
             </a:endParaRPr>
           </a:p>
           <a:p>
@@ -5910,6 +6356,8 @@
                 <a:effectLst>
                   <a:reflection blurRad="12700" stA="28000" endPos="45000" dist="1000" dir="5400000" sy="-100000" algn="bl" rotWithShape="0"/>
                 </a:effectLst>
+                <a:latin typeface="Times New Roman" pitchFamily="18" charset="0"/>
+                <a:cs typeface="Times New Roman" pitchFamily="18" charset="0"/>
               </a:rPr>
               <a:t>“</a:t>
             </a:r>
@@ -5955,6 +6403,8 @@
                 <a:effectLst>
                   <a:reflection blurRad="12700" stA="28000" endPos="45000" dist="1000" dir="5400000" sy="-100000" algn="bl" rotWithShape="0"/>
                 </a:effectLst>
+                <a:latin typeface="Times New Roman" pitchFamily="18" charset="0"/>
+                <a:cs typeface="Times New Roman" pitchFamily="18" charset="0"/>
               </a:rPr>
               <a:t>W</a:t>
             </a:r>
@@ -6000,6 +6450,8 @@
                 <a:effectLst>
                   <a:reflection blurRad="12700" stA="28000" endPos="45000" dist="1000" dir="5400000" sy="-100000" algn="bl" rotWithShape="0"/>
                 </a:effectLst>
+                <a:latin typeface="Times New Roman" pitchFamily="18" charset="0"/>
+                <a:cs typeface="Times New Roman" pitchFamily="18" charset="0"/>
               </a:rPr>
               <a:t>eb</a:t>
             </a:r>
@@ -6045,6 +6497,8 @@
                 <a:effectLst>
                   <a:reflection blurRad="12700" stA="28000" endPos="45000" dist="1000" dir="5400000" sy="-100000" algn="bl" rotWithShape="0"/>
                 </a:effectLst>
+                <a:latin typeface="Times New Roman" pitchFamily="18" charset="0"/>
+                <a:cs typeface="Times New Roman" pitchFamily="18" charset="0"/>
               </a:rPr>
               <a:t>S</a:t>
             </a:r>
@@ -6090,6 +6544,8 @@
                 <a:effectLst>
                   <a:reflection blurRad="12700" stA="28000" endPos="45000" dist="1000" dir="5400000" sy="-100000" algn="bl" rotWithShape="0"/>
                 </a:effectLst>
+                <a:latin typeface="Times New Roman" pitchFamily="18" charset="0"/>
+                <a:cs typeface="Times New Roman" pitchFamily="18" charset="0"/>
               </a:rPr>
               <a:t>erver</a:t>
             </a:r>
@@ -6135,6 +6591,8 @@
                 <a:effectLst>
                   <a:reflection blurRad="12700" stA="28000" endPos="45000" dist="1000" dir="5400000" sy="-100000" algn="bl" rotWithShape="0"/>
                 </a:effectLst>
+                <a:latin typeface="Times New Roman" pitchFamily="18" charset="0"/>
+                <a:cs typeface="Times New Roman" pitchFamily="18" charset="0"/>
               </a:rPr>
               <a:t>”</a:t>
             </a:r>
@@ -6179,6 +6637,8 @@
               <a:effectLst>
                 <a:reflection blurRad="12700" stA="28000" endPos="45000" dist="1000" dir="5400000" sy="-100000" algn="bl" rotWithShape="0"/>
               </a:effectLst>
+              <a:latin typeface="Times New Roman" pitchFamily="18" charset="0"/>
+              <a:cs typeface="Times New Roman" pitchFamily="18" charset="0"/>
             </a:endParaRPr>
           </a:p>
         </p:txBody>
@@ -6207,17 +6667,26 @@
           <a:p>
             <a:pPr algn="r"/>
             <a:r>
-              <a:rPr lang="ru-RU" sz="2400" b="1" dirty="0" smtClean="0"/>
+              <a:rPr lang="ru-RU" sz="2400" b="1" dirty="0" smtClean="0">
+                <a:latin typeface="Times New Roman" pitchFamily="18" charset="0"/>
+                <a:cs typeface="Times New Roman" pitchFamily="18" charset="0"/>
+              </a:rPr>
               <a:t>Выполнили: Яценко Егор, </a:t>
             </a:r>
           </a:p>
           <a:p>
             <a:pPr algn="r"/>
             <a:r>
-              <a:rPr lang="ru-RU" sz="2400" b="1" dirty="0" smtClean="0"/>
+              <a:rPr lang="ru-RU" sz="2400" b="1" dirty="0" smtClean="0">
+                <a:latin typeface="Times New Roman" pitchFamily="18" charset="0"/>
+                <a:cs typeface="Times New Roman" pitchFamily="18" charset="0"/>
+              </a:rPr>
               <a:t>Хардиков Иван</a:t>
             </a:r>
-            <a:endParaRPr lang="ru-RU" sz="2400" b="1" dirty="0"/>
+            <a:endParaRPr lang="ru-RU" sz="2400" b="1" dirty="0">
+              <a:latin typeface="Times New Roman" pitchFamily="18" charset="0"/>
+              <a:cs typeface="Times New Roman" pitchFamily="18" charset="0"/>
+            </a:endParaRPr>
           </a:p>
         </p:txBody>
       </p:sp>
@@ -6229,8 +6698,8 @@
         </p:nvSpPr>
         <p:spPr>
           <a:xfrm>
-            <a:off x="-57975" y="3717032"/>
-            <a:ext cx="9144000" cy="830997"/>
+            <a:off x="-1" y="3717032"/>
+            <a:ext cx="9144001" cy="830997"/>
           </a:xfrm>
           <a:prstGeom prst="rect">
             <a:avLst/>
@@ -6297,8 +6766,112 @@
                     </a:srgbClr>
                   </a:outerShdw>
                 </a:effectLst>
+                <a:latin typeface="Times New Roman" pitchFamily="18" charset="0"/>
+                <a:cs typeface="Times New Roman" pitchFamily="18" charset="0"/>
               </a:rPr>
-              <a:t>Time Weather</a:t>
+              <a:t>Time</a:t>
+            </a:r>
+            <a:r>
+              <a:rPr lang="ru-RU" sz="4800" b="1" cap="all" dirty="0" smtClean="0">
+                <a:ln w="9000" cmpd="sng">
+                  <a:solidFill>
+                    <a:schemeClr val="accent4">
+                      <a:shade val="50000"/>
+                      <a:satMod val="120000"/>
+                    </a:schemeClr>
+                  </a:solidFill>
+                  <a:prstDash val="solid"/>
+                </a:ln>
+                <a:gradFill>
+                  <a:gsLst>
+                    <a:gs pos="0">
+                      <a:schemeClr val="accent4">
+                        <a:shade val="20000"/>
+                        <a:satMod val="245000"/>
+                      </a:schemeClr>
+                    </a:gs>
+                    <a:gs pos="43000">
+                      <a:schemeClr val="accent4">
+                        <a:satMod val="255000"/>
+                      </a:schemeClr>
+                    </a:gs>
+                    <a:gs pos="48000">
+                      <a:schemeClr val="accent4">
+                        <a:shade val="85000"/>
+                        <a:satMod val="255000"/>
+                      </a:schemeClr>
+                    </a:gs>
+                    <a:gs pos="100000">
+                      <a:schemeClr val="accent4">
+                        <a:shade val="20000"/>
+                        <a:satMod val="245000"/>
+                      </a:schemeClr>
+                    </a:gs>
+                  </a:gsLst>
+                  <a:lin ang="5400000"/>
+                </a:gradFill>
+                <a:effectLst>
+                  <a:outerShdw blurRad="38100" dist="38100" dir="2700000" algn="tl">
+                    <a:srgbClr val="000000">
+                      <a:alpha val="43137"/>
+                    </a:srgbClr>
+                  </a:outerShdw>
+                </a:effectLst>
+                <a:latin typeface="Times New Roman" pitchFamily="18" charset="0"/>
+                <a:cs typeface="Times New Roman" pitchFamily="18" charset="0"/>
+              </a:rPr>
+              <a:t>-</a:t>
+            </a:r>
+            <a:r>
+              <a:rPr lang="en-US" sz="4800" b="1" cap="all" dirty="0" smtClean="0">
+                <a:ln w="9000" cmpd="sng">
+                  <a:solidFill>
+                    <a:schemeClr val="accent4">
+                      <a:shade val="50000"/>
+                      <a:satMod val="120000"/>
+                    </a:schemeClr>
+                  </a:solidFill>
+                  <a:prstDash val="solid"/>
+                </a:ln>
+                <a:gradFill>
+                  <a:gsLst>
+                    <a:gs pos="0">
+                      <a:schemeClr val="accent4">
+                        <a:shade val="20000"/>
+                        <a:satMod val="245000"/>
+                      </a:schemeClr>
+                    </a:gs>
+                    <a:gs pos="43000">
+                      <a:schemeClr val="accent4">
+                        <a:satMod val="255000"/>
+                      </a:schemeClr>
+                    </a:gs>
+                    <a:gs pos="48000">
+                      <a:schemeClr val="accent4">
+                        <a:shade val="85000"/>
+                        <a:satMod val="255000"/>
+                      </a:schemeClr>
+                    </a:gs>
+                    <a:gs pos="100000">
+                      <a:schemeClr val="accent4">
+                        <a:shade val="20000"/>
+                        <a:satMod val="245000"/>
+                      </a:schemeClr>
+                    </a:gs>
+                  </a:gsLst>
+                  <a:lin ang="5400000"/>
+                </a:gradFill>
+                <a:effectLst>
+                  <a:outerShdw blurRad="38100" dist="38100" dir="2700000" algn="tl">
+                    <a:srgbClr val="000000">
+                      <a:alpha val="43137"/>
+                    </a:srgbClr>
+                  </a:outerShdw>
+                </a:effectLst>
+                <a:latin typeface="Times New Roman" pitchFamily="18" charset="0"/>
+                <a:cs typeface="Times New Roman" pitchFamily="18" charset="0"/>
+              </a:rPr>
+              <a:t>Weather</a:t>
             </a:r>
             <a:endParaRPr lang="ru-RU" sz="4800" b="1" cap="all" dirty="0">
               <a:ln w="9000" cmpd="sng">
@@ -6345,6 +6918,8 @@
                   </a:srgbClr>
                 </a:outerShdw>
               </a:effectLst>
+              <a:latin typeface="Times New Roman" pitchFamily="18" charset="0"/>
+              <a:cs typeface="Times New Roman" pitchFamily="18" charset="0"/>
             </a:endParaRPr>
           </a:p>
         </p:txBody>
@@ -6381,14 +6956,14 @@
       </p:grpSpPr>
       <p:sp>
         <p:nvSpPr>
-          <p:cNvPr id="3" name="TextBox 2"/>
+          <p:cNvPr id="4" name="TextBox 3"/>
           <p:cNvSpPr txBox="1"/>
           <p:nvPr/>
         </p:nvSpPr>
         <p:spPr>
           <a:xfrm>
-            <a:off x="0" y="1340768"/>
-            <a:ext cx="9144000" cy="3539430"/>
+            <a:off x="0" y="0"/>
+            <a:ext cx="9116888" cy="4278094"/>
           </a:xfrm>
           <a:prstGeom prst="rect">
             <a:avLst/>
@@ -6402,28 +6977,112 @@
           <a:lstStyle/>
           <a:p>
             <a:r>
-              <a:rPr lang="ru-RU" sz="3200" b="1" u="sng" dirty="0" smtClean="0"/>
-              <a:t>Цель проекта</a:t>
-            </a:r>
-          </a:p>
-          <a:p>
-            <a:endParaRPr lang="ru-RU" sz="2400" b="1" u="sng" dirty="0"/>
+              <a:rPr lang="ru-RU" sz="3200" b="1" u="sng" dirty="0" smtClean="0">
+                <a:latin typeface="Times New Roman" pitchFamily="18" charset="0"/>
+                <a:cs typeface="Times New Roman" pitchFamily="18" charset="0"/>
+              </a:rPr>
+              <a:t>Введение</a:t>
+            </a:r>
+          </a:p>
+          <a:p>
+            <a:endParaRPr lang="ru-RU" sz="2400" dirty="0">
+              <a:latin typeface="Times New Roman" pitchFamily="18" charset="0"/>
+              <a:cs typeface="Times New Roman" pitchFamily="18" charset="0"/>
+            </a:endParaRPr>
           </a:p>
           <a:p>
             <a:pPr algn="just"/>
             <a:r>
-              <a:rPr lang="ru-RU" sz="2400" b="1" dirty="0" smtClean="0"/>
-              <a:t>Данный проект будет удобен для тех, кто отправляется в другой город, находящийся в другом часовом или климатическом поясе. При этом человеку будет необходимо узнать не только точное время в данной местности, но и погодные условия в ней. Наш </a:t>
-            </a:r>
-            <a:r>
-              <a:rPr lang="en-US" sz="2400" b="1" dirty="0" smtClean="0"/>
-              <a:t>Web</a:t>
-            </a:r>
-            <a:r>
-              <a:rPr lang="ru-RU" sz="2400" b="1" dirty="0" smtClean="0"/>
-              <a:t>-сервис помогает удобно и быстро получить доступ к данной информации.</a:t>
-            </a:r>
-            <a:endParaRPr lang="ru-RU" sz="2400" b="1" dirty="0"/>
+              <a:rPr lang="ru-RU" sz="2400" b="1" dirty="0" smtClean="0">
+                <a:latin typeface="Times New Roman" pitchFamily="18" charset="0"/>
+                <a:cs typeface="Times New Roman" pitchFamily="18" charset="0"/>
+              </a:rPr>
+              <a:t>	</a:t>
+            </a:r>
+            <a:r>
+              <a:rPr lang="en-US" sz="2400" b="1" dirty="0" smtClean="0">
+                <a:latin typeface="Times New Roman" pitchFamily="18" charset="0"/>
+                <a:cs typeface="Times New Roman" pitchFamily="18" charset="0"/>
+              </a:rPr>
+              <a:t>Time</a:t>
+            </a:r>
+            <a:r>
+              <a:rPr lang="ru-RU" sz="2400" b="1" dirty="0">
+                <a:latin typeface="Times New Roman" pitchFamily="18" charset="0"/>
+                <a:cs typeface="Times New Roman" pitchFamily="18" charset="0"/>
+              </a:rPr>
+              <a:t>-</a:t>
+            </a:r>
+            <a:r>
+              <a:rPr lang="en-US" sz="2400" b="1" dirty="0">
+                <a:latin typeface="Times New Roman" pitchFamily="18" charset="0"/>
+                <a:cs typeface="Times New Roman" pitchFamily="18" charset="0"/>
+              </a:rPr>
+              <a:t>Weather</a:t>
+            </a:r>
+            <a:r>
+              <a:rPr lang="ru-RU" sz="2400" b="1" dirty="0">
+                <a:latin typeface="Times New Roman" pitchFamily="18" charset="0"/>
+                <a:cs typeface="Times New Roman" pitchFamily="18" charset="0"/>
+              </a:rPr>
+              <a:t> – это сайт, на котором можно посмотреть точное время в самых крупных городах России, а также в столицах стран всего мира. Кроме того, на сайте можно ознакомиться с подробной информацией о погоде в каждом городе, включающей в себя точный прогноз на данный момент, а также прогноз погоды на 3 дня вперед</a:t>
+            </a:r>
+            <a:r>
+              <a:rPr lang="ru-RU" sz="2400" dirty="0" smtClean="0">
+                <a:latin typeface="Times New Roman" pitchFamily="18" charset="0"/>
+                <a:cs typeface="Times New Roman" pitchFamily="18" charset="0"/>
+              </a:rPr>
+              <a:t>. </a:t>
+            </a:r>
+          </a:p>
+          <a:p>
+            <a:pPr algn="just"/>
+            <a:r>
+              <a:rPr lang="ru-RU" sz="2400" dirty="0">
+                <a:latin typeface="Times New Roman" pitchFamily="18" charset="0"/>
+                <a:cs typeface="Times New Roman" pitchFamily="18" charset="0"/>
+              </a:rPr>
+              <a:t>	</a:t>
+            </a:r>
+            <a:r>
+              <a:rPr lang="en-US" sz="2400" b="1" dirty="0" smtClean="0">
+                <a:latin typeface="Times New Roman" pitchFamily="18" charset="0"/>
+                <a:cs typeface="Times New Roman" pitchFamily="18" charset="0"/>
+              </a:rPr>
+              <a:t>Telegram-bot</a:t>
+            </a:r>
+            <a:r>
+              <a:rPr lang="ru-RU" sz="2400" b="1" dirty="0" smtClean="0">
+                <a:latin typeface="Times New Roman" pitchFamily="18" charset="0"/>
+                <a:cs typeface="Times New Roman" pitchFamily="18" charset="0"/>
+              </a:rPr>
+              <a:t>(</a:t>
+            </a:r>
+            <a:r>
+              <a:rPr lang="en-US" sz="2400" b="1" dirty="0" smtClean="0">
+                <a:latin typeface="Times New Roman" pitchFamily="18" charset="0"/>
+                <a:cs typeface="Times New Roman" pitchFamily="18" charset="0"/>
+              </a:rPr>
+              <a:t>Time&amp;Weather) - </a:t>
+            </a:r>
+            <a:r>
+              <a:rPr lang="ru-RU" sz="2400" b="1" dirty="0">
+                <a:latin typeface="Times New Roman" pitchFamily="18" charset="0"/>
+                <a:cs typeface="Times New Roman" pitchFamily="18" charset="0"/>
+              </a:rPr>
+              <a:t>Это бот, в котором можно быстро получить время или погоду в нужном </a:t>
+            </a:r>
+            <a:r>
+              <a:rPr lang="ru-RU" sz="2400" b="1" dirty="0" smtClean="0">
+                <a:latin typeface="Times New Roman" pitchFamily="18" charset="0"/>
+                <a:cs typeface="Times New Roman" pitchFamily="18" charset="0"/>
+              </a:rPr>
+              <a:t>городе, находясь внутри приложения.</a:t>
+            </a:r>
+            <a:endParaRPr lang="en-US" sz="2400" dirty="0" smtClean="0">
+              <a:latin typeface="Times New Roman" pitchFamily="18" charset="0"/>
+              <a:cs typeface="Times New Roman" pitchFamily="18" charset="0"/>
+            </a:endParaRPr>
           </a:p>
         </p:txBody>
       </p:sp>
@@ -6459,14 +7118,14 @@
       </p:grpSpPr>
       <p:sp>
         <p:nvSpPr>
-          <p:cNvPr id="3" name="TextBox 2"/>
+          <p:cNvPr id="4" name="TextBox 3"/>
           <p:cNvSpPr txBox="1"/>
           <p:nvPr/>
         </p:nvSpPr>
         <p:spPr>
           <a:xfrm>
-            <a:off x="0" y="0"/>
-            <a:ext cx="9116888" cy="4401205"/>
+            <a:off x="-9097" y="4653136"/>
+            <a:ext cx="9150896" cy="2062103"/>
           </a:xfrm>
           <a:prstGeom prst="rect">
             <a:avLst/>
@@ -6480,60 +7139,87 @@
           <a:lstStyle/>
           <a:p>
             <a:r>
-              <a:rPr lang="ru-RU" sz="3200" b="1" u="sng" dirty="0" smtClean="0"/>
-              <a:t>Введение</a:t>
-            </a:r>
-          </a:p>
-          <a:p>
-            <a:endParaRPr lang="ru-RU" sz="2400" dirty="0"/>
+              <a:rPr lang="en-US" sz="2400" i="1" u="sng" dirty="0" smtClean="0">
+                <a:latin typeface="Times New Roman" pitchFamily="18" charset="0"/>
+                <a:cs typeface="Times New Roman" pitchFamily="18" charset="0"/>
+              </a:rPr>
+              <a:t>Telegram-bot</a:t>
+            </a:r>
+          </a:p>
+          <a:p>
+            <a:endParaRPr lang="en-US" sz="2400" b="1" i="1" u="sng" dirty="0">
+              <a:latin typeface="Times New Roman" pitchFamily="18" charset="0"/>
+              <a:cs typeface="Times New Roman" pitchFamily="18" charset="0"/>
+            </a:endParaRPr>
           </a:p>
           <a:p>
             <a:pPr algn="just"/>
             <a:r>
-              <a:rPr lang="en-US" sz="2400" b="1" dirty="0"/>
-              <a:t>Time</a:t>
-            </a:r>
-            <a:r>
-              <a:rPr lang="ru-RU" sz="2400" b="1" dirty="0"/>
-              <a:t>-</a:t>
-            </a:r>
-            <a:r>
-              <a:rPr lang="en-US" sz="2400" b="1" dirty="0"/>
-              <a:t>Weather</a:t>
-            </a:r>
-            <a:r>
-              <a:rPr lang="ru-RU" sz="2400" b="1" dirty="0"/>
-              <a:t> – это сайт, на котором можно посмотреть точное время в самых крупных городах России, а также в столицах стран всего мира. Кроме того, на сайте можно ознакомиться с подробной информацией о погоде в каждом городе, включающей в себя точный прогноз на данный момент, а также прогноз погоды на 3 дня вперед</a:t>
-            </a:r>
-            <a:r>
-              <a:rPr lang="ru-RU" sz="2400" dirty="0" smtClean="0"/>
-              <a:t>.</a:t>
-            </a:r>
-            <a:endParaRPr lang="en-US" sz="2400" dirty="0" smtClean="0"/>
-          </a:p>
-          <a:p>
-            <a:pPr algn="just"/>
-            <a:endParaRPr lang="en-US" sz="2400" dirty="0"/>
-          </a:p>
-          <a:p>
-            <a:pPr algn="just"/>
-            <a:r>
-              <a:rPr lang="ru-RU" sz="3200" b="1" u="sng" dirty="0" smtClean="0"/>
-              <a:t>Интерфейс</a:t>
-            </a:r>
-          </a:p>
-        </p:txBody>
-      </p:sp>
-      <p:sp>
-        <p:nvSpPr>
-          <p:cNvPr id="4" name="TextBox 3"/>
+              <a:rPr lang="ru-RU" sz="2000" b="1" dirty="0" smtClean="0">
+                <a:latin typeface="Times New Roman" pitchFamily="18" charset="0"/>
+                <a:cs typeface="Times New Roman" pitchFamily="18" charset="0"/>
+              </a:rPr>
+              <a:t>Это бот, в котором можно быстро получить время или погоду в нужном городе. Для этого достаточно ввести команду </a:t>
+            </a:r>
+            <a:r>
+              <a:rPr lang="en-US" sz="2000" b="1" dirty="0" smtClean="0">
+                <a:latin typeface="Times New Roman" pitchFamily="18" charset="0"/>
+                <a:cs typeface="Times New Roman" pitchFamily="18" charset="0"/>
+              </a:rPr>
+              <a:t>/time </a:t>
+            </a:r>
+            <a:r>
+              <a:rPr lang="ru-RU" sz="2000" b="1" dirty="0" smtClean="0">
+                <a:latin typeface="Times New Roman" pitchFamily="18" charset="0"/>
+                <a:cs typeface="Times New Roman" pitchFamily="18" charset="0"/>
+              </a:rPr>
+              <a:t>или </a:t>
+            </a:r>
+            <a:r>
+              <a:rPr lang="en-US" sz="2000" b="1" dirty="0" smtClean="0">
+                <a:latin typeface="Times New Roman" pitchFamily="18" charset="0"/>
+                <a:cs typeface="Times New Roman" pitchFamily="18" charset="0"/>
+              </a:rPr>
+              <a:t>/weather</a:t>
+            </a:r>
+            <a:r>
+              <a:rPr lang="ru-RU" sz="2000" b="1" dirty="0">
+                <a:latin typeface="Times New Roman" pitchFamily="18" charset="0"/>
+                <a:cs typeface="Times New Roman" pitchFamily="18" charset="0"/>
+              </a:rPr>
+              <a:t>,</a:t>
+            </a:r>
+            <a:r>
+              <a:rPr lang="ru-RU" sz="2000" b="1" dirty="0" smtClean="0">
+                <a:latin typeface="Times New Roman" pitchFamily="18" charset="0"/>
+                <a:cs typeface="Times New Roman" pitchFamily="18" charset="0"/>
+              </a:rPr>
+              <a:t> в зависимости от того, что надо узнать. Если же нужна помощь в использовании бота, то можно ввести команду </a:t>
+            </a:r>
+            <a:r>
+              <a:rPr lang="en-US" sz="2000" b="1" dirty="0" smtClean="0">
+                <a:latin typeface="Times New Roman" pitchFamily="18" charset="0"/>
+                <a:cs typeface="Times New Roman" pitchFamily="18" charset="0"/>
+              </a:rPr>
+              <a:t>/help</a:t>
+            </a:r>
+            <a:endParaRPr lang="ru-RU" sz="2000" b="1" dirty="0">
+              <a:latin typeface="Times New Roman" pitchFamily="18" charset="0"/>
+              <a:cs typeface="Times New Roman" pitchFamily="18" charset="0"/>
+            </a:endParaRPr>
+          </a:p>
+        </p:txBody>
+      </p:sp>
+      <p:sp>
+        <p:nvSpPr>
+          <p:cNvPr id="5" name="TextBox 4"/>
           <p:cNvSpPr txBox="1"/>
           <p:nvPr/>
         </p:nvSpPr>
         <p:spPr>
           <a:xfrm>
-            <a:off x="6540" y="4581128"/>
-            <a:ext cx="9150896" cy="2062103"/>
+            <a:off x="1" y="0"/>
+            <a:ext cx="9144000" cy="4031873"/>
           </a:xfrm>
           <a:prstGeom prst="rect">
             <a:avLst/>
@@ -6547,43 +7233,63 @@
           <a:lstStyle/>
           <a:p>
             <a:r>
-              <a:rPr lang="en-US" sz="2400" i="1" u="sng" dirty="0" smtClean="0"/>
-              <a:t>Telegram-bot</a:t>
-            </a:r>
-          </a:p>
-          <a:p>
-            <a:endParaRPr lang="en-US" sz="2400" b="1" i="1" u="sng" dirty="0"/>
-          </a:p>
-          <a:p>
-            <a:r>
-              <a:rPr lang="ru-RU" sz="2000" b="1" dirty="0" smtClean="0"/>
-              <a:t>Это бот, в котором можно быстро получить время или погоду в нужном городе. Для этого достаточно ввести команду </a:t>
-            </a:r>
-            <a:r>
-              <a:rPr lang="en-US" sz="2000" b="1" dirty="0" smtClean="0"/>
-              <a:t>/time </a:t>
-            </a:r>
-            <a:r>
-              <a:rPr lang="ru-RU" sz="2000" b="1" dirty="0" smtClean="0"/>
-              <a:t>или </a:t>
-            </a:r>
-            <a:r>
-              <a:rPr lang="en-US" sz="2000" b="1" dirty="0" smtClean="0"/>
-              <a:t>/weather</a:t>
-            </a:r>
-            <a:r>
-              <a:rPr lang="ru-RU" sz="2000" b="1" dirty="0"/>
-              <a:t>,</a:t>
-            </a:r>
-            <a:r>
-              <a:rPr lang="ru-RU" sz="2000" b="1" dirty="0" smtClean="0"/>
-              <a:t> в зависимости от того, что надо узнать. Если же нужна помощь в использовании бота, то можно ввести команду </a:t>
-            </a:r>
-            <a:r>
-              <a:rPr lang="en-US" sz="2000" b="1" dirty="0" smtClean="0"/>
-              <a:t>/help</a:t>
-            </a:r>
-            <a:endParaRPr lang="ru-RU" sz="2000" b="1" dirty="0"/>
+              <a:rPr lang="ru-RU" sz="3200" b="1" u="sng" dirty="0" smtClean="0">
+                <a:latin typeface="Times New Roman" pitchFamily="18" charset="0"/>
+                <a:cs typeface="Times New Roman" pitchFamily="18" charset="0"/>
+              </a:rPr>
+              <a:t>Цель проекта</a:t>
+            </a:r>
+          </a:p>
+          <a:p>
+            <a:endParaRPr lang="ru-RU" sz="2400" b="1" u="sng" dirty="0">
+              <a:latin typeface="Times New Roman" pitchFamily="18" charset="0"/>
+              <a:cs typeface="Times New Roman" pitchFamily="18" charset="0"/>
+            </a:endParaRPr>
+          </a:p>
+          <a:p>
+            <a:pPr algn="just"/>
+            <a:r>
+              <a:rPr lang="ru-RU" sz="2400" b="1" dirty="0" smtClean="0">
+                <a:latin typeface="Times New Roman" pitchFamily="18" charset="0"/>
+                <a:cs typeface="Times New Roman" pitchFamily="18" charset="0"/>
+              </a:rPr>
+              <a:t>Данный проект будет удобен для тех, кто отправляется в другой город, находящийся в другом часовом или климатическом поясе. При этом человеку будет необходимо узнать не только точное время в данной местности, но и погодные условия в ней. Наш </a:t>
+            </a:r>
+            <a:r>
+              <a:rPr lang="en-US" sz="2400" b="1" dirty="0" smtClean="0">
+                <a:latin typeface="Times New Roman" pitchFamily="18" charset="0"/>
+                <a:cs typeface="Times New Roman" pitchFamily="18" charset="0"/>
+              </a:rPr>
+              <a:t>Web</a:t>
+            </a:r>
+            <a:r>
+              <a:rPr lang="ru-RU" sz="2400" b="1" dirty="0" smtClean="0">
+                <a:latin typeface="Times New Roman" pitchFamily="18" charset="0"/>
+                <a:cs typeface="Times New Roman" pitchFamily="18" charset="0"/>
+              </a:rPr>
+              <a:t>-сервис помогает удобно и быстро получить доступ к данной информации.</a:t>
+            </a:r>
+          </a:p>
+          <a:p>
+            <a:pPr algn="just"/>
+            <a:endParaRPr lang="ru-RU" sz="2400" b="1" dirty="0">
+              <a:latin typeface="Times New Roman" pitchFamily="18" charset="0"/>
+              <a:cs typeface="Times New Roman" pitchFamily="18" charset="0"/>
+            </a:endParaRPr>
+          </a:p>
+          <a:p>
+            <a:pPr algn="just"/>
+            <a:r>
+              <a:rPr lang="ru-RU" sz="3200" b="1" u="sng" dirty="0" smtClean="0">
+                <a:latin typeface="Times New Roman" pitchFamily="18" charset="0"/>
+                <a:cs typeface="Times New Roman" pitchFamily="18" charset="0"/>
+              </a:rPr>
+              <a:t>Интерфейс</a:t>
+            </a:r>
+            <a:endParaRPr lang="ru-RU" sz="2400" b="1" u="sng" dirty="0">
+              <a:latin typeface="Times New Roman" pitchFamily="18" charset="0"/>
+              <a:cs typeface="Times New Roman" pitchFamily="18" charset="0"/>
+            </a:endParaRPr>
           </a:p>
         </p:txBody>
       </p:sp>
@@ -6640,40 +7346,67 @@
           <a:lstStyle/>
           <a:p>
             <a:r>
-              <a:rPr lang="ru-RU" sz="3200" b="1" u="sng" dirty="0" smtClean="0"/>
+              <a:rPr lang="ru-RU" sz="3200" b="1" u="sng" dirty="0" smtClean="0">
+                <a:latin typeface="Times New Roman" pitchFamily="18" charset="0"/>
+                <a:cs typeface="Times New Roman" pitchFamily="18" charset="0"/>
+              </a:rPr>
               <a:t>Интерфейс</a:t>
             </a:r>
           </a:p>
           <a:p>
-            <a:endParaRPr lang="ru-RU" sz="3200" b="1" u="sng" dirty="0" smtClean="0"/>
-          </a:p>
-          <a:p>
-            <a:r>
-              <a:rPr lang="ru-RU" sz="2400" i="1" u="sng" dirty="0" smtClean="0"/>
+            <a:endParaRPr lang="ru-RU" sz="3200" b="1" u="sng" dirty="0" smtClean="0">
+              <a:latin typeface="Times New Roman" pitchFamily="18" charset="0"/>
+              <a:cs typeface="Times New Roman" pitchFamily="18" charset="0"/>
+            </a:endParaRPr>
+          </a:p>
+          <a:p>
+            <a:r>
+              <a:rPr lang="ru-RU" sz="2400" i="1" u="sng" dirty="0" smtClean="0">
+                <a:latin typeface="Times New Roman" pitchFamily="18" charset="0"/>
+                <a:cs typeface="Times New Roman" pitchFamily="18" charset="0"/>
+              </a:rPr>
               <a:t>Главная </a:t>
             </a:r>
             <a:r>
-              <a:rPr lang="ru-RU" sz="2400" i="1" u="sng" dirty="0"/>
+              <a:rPr lang="ru-RU" sz="2400" i="1" u="sng" dirty="0">
+                <a:latin typeface="Times New Roman" pitchFamily="18" charset="0"/>
+                <a:cs typeface="Times New Roman" pitchFamily="18" charset="0"/>
+              </a:rPr>
               <a:t>страница(</a:t>
             </a:r>
             <a:r>
-              <a:rPr lang="en-US" sz="2400" i="1" u="sng" dirty="0"/>
+              <a:rPr lang="en-US" sz="2400" i="1" u="sng" dirty="0">
+                <a:latin typeface="Times New Roman" pitchFamily="18" charset="0"/>
+                <a:cs typeface="Times New Roman" pitchFamily="18" charset="0"/>
+              </a:rPr>
               <a:t>Time</a:t>
             </a:r>
             <a:r>
-              <a:rPr lang="ru-RU" sz="2400" i="1" u="sng" dirty="0" smtClean="0"/>
+              <a:rPr lang="ru-RU" sz="2400" i="1" u="sng" dirty="0" smtClean="0">
+                <a:latin typeface="Times New Roman" pitchFamily="18" charset="0"/>
+                <a:cs typeface="Times New Roman" pitchFamily="18" charset="0"/>
+              </a:rPr>
               <a:t>)</a:t>
             </a:r>
-            <a:endParaRPr lang="ru-RU" sz="2400" u="sng" dirty="0"/>
+            <a:endParaRPr lang="ru-RU" sz="2400" u="sng" dirty="0">
+              <a:latin typeface="Times New Roman" pitchFamily="18" charset="0"/>
+              <a:cs typeface="Times New Roman" pitchFamily="18" charset="0"/>
+            </a:endParaRPr>
           </a:p>
           <a:p>
             <a:pPr algn="just"/>
             <a:r>
-              <a:rPr lang="ru-RU" sz="2000" b="1" dirty="0"/>
+              <a:rPr lang="ru-RU" sz="2000" b="1" dirty="0">
+                <a:latin typeface="Times New Roman" pitchFamily="18" charset="0"/>
+                <a:cs typeface="Times New Roman" pitchFamily="18" charset="0"/>
+              </a:rPr>
               <a:t>Это главная страница сайта, на которой вы можете ознакомиться с точным временем в столице, а также, нажав на город, перейти на следующую страницу и ознакомиться с более подробной информацией о нем. Помимо того, вы можете воспользоваться поиском для того, чтобы быстрее найти необходимый город</a:t>
             </a:r>
             <a:r>
-              <a:rPr lang="ru-RU" sz="2000" b="1" dirty="0" smtClean="0"/>
+              <a:rPr lang="ru-RU" sz="2000" b="1" dirty="0" smtClean="0">
+                <a:latin typeface="Times New Roman" pitchFamily="18" charset="0"/>
+                <a:cs typeface="Times New Roman" pitchFamily="18" charset="0"/>
+              </a:rPr>
               <a:t>.</a:t>
             </a:r>
           </a:p>
@@ -6681,14 +7414,14 @@
       </p:sp>
       <p:sp>
         <p:nvSpPr>
-          <p:cNvPr id="3" name="TextBox 2"/>
+          <p:cNvPr id="4" name="TextBox 3"/>
           <p:cNvSpPr txBox="1"/>
           <p:nvPr/>
         </p:nvSpPr>
         <p:spPr>
           <a:xfrm>
-            <a:off x="0" y="3007818"/>
-            <a:ext cx="9144000" cy="3323987"/>
+            <a:off x="10592" y="3275062"/>
+            <a:ext cx="9144000" cy="1354217"/>
           </a:xfrm>
           <a:prstGeom prst="rect">
             <a:avLst/>
@@ -6701,28 +7434,68 @@
           </a:bodyPr>
           <a:lstStyle/>
           <a:p>
-            <a:endParaRPr lang="ru-RU" sz="2400" i="1" u="sng" dirty="0" smtClean="0"/>
-          </a:p>
-          <a:p>
-            <a:r>
-              <a:rPr lang="ru-RU" sz="2400" i="1" u="sng" dirty="0" smtClean="0"/>
-              <a:t>Текущая </a:t>
-            </a:r>
-            <a:r>
-              <a:rPr lang="ru-RU" sz="2400" i="1" u="sng" dirty="0"/>
-              <a:t>погода и время в выбранном городе(current_weather)</a:t>
-            </a:r>
-            <a:endParaRPr lang="ru-RU" sz="2400" u="sng" dirty="0"/>
+            <a:r>
+              <a:rPr lang="ru-RU" sz="2400" i="1" u="sng" dirty="0">
+                <a:latin typeface="Times New Roman" pitchFamily="18" charset="0"/>
+                <a:cs typeface="Times New Roman" pitchFamily="18" charset="0"/>
+              </a:rPr>
+              <a:t>Ошибка(404)</a:t>
+            </a:r>
           </a:p>
           <a:p>
             <a:pPr algn="just"/>
             <a:r>
-              <a:rPr lang="ru-RU" sz="2000" b="1" dirty="0"/>
-              <a:t>На этой странице можно посмотреть точное время в выбранном городе и ознакомиться с текущей погодой в нем. Также в левом верхнем углу находится кнопка “Главная”, перенаправляющая пользователя на стартовую страницу. Кроме того, вы можете пройти по ссылке, открывающей страницу с подробным прогнозом погоды для выбранного города.</a:t>
+              <a:rPr lang="ru-RU" sz="2000" b="1" dirty="0">
+                <a:latin typeface="Times New Roman" pitchFamily="18" charset="0"/>
+                <a:cs typeface="Times New Roman" pitchFamily="18" charset="0"/>
+              </a:rPr>
+              <a:t>В случае неправильно введенного адреса, у вас откроется страница с 404 ошибкой.</a:t>
             </a:r>
           </a:p>
           <a:p>
             <a:endParaRPr lang="ru-RU" dirty="0"/>
+          </a:p>
+        </p:txBody>
+      </p:sp>
+      <p:sp>
+        <p:nvSpPr>
+          <p:cNvPr id="5" name="TextBox 4"/>
+          <p:cNvSpPr txBox="1"/>
+          <p:nvPr/>
+        </p:nvSpPr>
+        <p:spPr>
+          <a:xfrm>
+            <a:off x="-6246" y="4725144"/>
+            <a:ext cx="9144000" cy="1077218"/>
+          </a:xfrm>
+          <a:prstGeom prst="rect">
+            <a:avLst/>
+          </a:prstGeom>
+          <a:noFill/>
+        </p:spPr>
+        <p:txBody>
+          <a:bodyPr wrap="square" rtlCol="0">
+            <a:spAutoFit/>
+          </a:bodyPr>
+          <a:lstStyle/>
+          <a:p>
+            <a:r>
+              <a:rPr lang="ru-RU" sz="2400" i="1" u="sng" dirty="0">
+                <a:latin typeface="Times New Roman" pitchFamily="18" charset="0"/>
+                <a:cs typeface="Times New Roman" pitchFamily="18" charset="0"/>
+              </a:rPr>
+              <a:t>Ошибка(500)</a:t>
+            </a:r>
+          </a:p>
+          <a:p>
+            <a:pPr algn="just"/>
+            <a:r>
+              <a:rPr lang="ru-RU" sz="2000" b="1" dirty="0">
+                <a:latin typeface="Times New Roman" pitchFamily="18" charset="0"/>
+                <a:cs typeface="Times New Roman" pitchFamily="18" charset="0"/>
+              </a:rPr>
+              <a:t>В случае неправильно введенного города или внутренних ошибок в коде, у вас откроется страница с ошибкой 500.</a:t>
+            </a:r>
           </a:p>
         </p:txBody>
       </p:sp>
@@ -6764,8 +7537,8 @@
         </p:nvSpPr>
         <p:spPr>
           <a:xfrm>
-            <a:off x="-1" y="0"/>
-            <a:ext cx="9108085" cy="3939540"/>
+            <a:off x="-2" y="3903345"/>
+            <a:ext cx="9144002" cy="2954655"/>
           </a:xfrm>
           <a:prstGeom prst="rect">
             <a:avLst/>
@@ -6779,27 +7552,27 @@
           <a:lstStyle/>
           <a:p>
             <a:r>
-              <a:rPr lang="ru-RU" sz="3200" b="1" u="sng" dirty="0"/>
-              <a:t>Интерфейс</a:t>
-            </a:r>
-            <a:endParaRPr lang="ru-RU" sz="2400" b="1" u="sng" dirty="0"/>
-          </a:p>
-          <a:p>
-            <a:endParaRPr lang="ru-RU" sz="3200" i="1" u="sng" dirty="0"/>
-          </a:p>
-          <a:p>
-            <a:r>
-              <a:rPr lang="ru-RU" sz="2400" i="1" u="sng" dirty="0" smtClean="0"/>
+              <a:rPr lang="ru-RU" sz="2400" i="1" u="sng" dirty="0" smtClean="0">
+                <a:latin typeface="Times New Roman" pitchFamily="18" charset="0"/>
+                <a:cs typeface="Times New Roman" pitchFamily="18" charset="0"/>
+              </a:rPr>
               <a:t>Прогноз </a:t>
             </a:r>
             <a:r>
-              <a:rPr lang="ru-RU" sz="2400" i="1" u="sng" dirty="0"/>
+              <a:rPr lang="ru-RU" sz="2400" i="1" u="sng" dirty="0">
+                <a:latin typeface="Times New Roman" pitchFamily="18" charset="0"/>
+                <a:cs typeface="Times New Roman" pitchFamily="18" charset="0"/>
+              </a:rPr>
               <a:t>погоды на трое суток в выбранном городе(weather_forecast)</a:t>
             </a:r>
           </a:p>
           <a:p>
-            <a:r>
-              <a:rPr lang="ru-RU" sz="2000" b="1" dirty="0"/>
+            <a:pPr algn="just"/>
+            <a:r>
+              <a:rPr lang="ru-RU" sz="2000" b="1" dirty="0">
+                <a:latin typeface="Times New Roman" pitchFamily="18" charset="0"/>
+                <a:cs typeface="Times New Roman" pitchFamily="18" charset="0"/>
+              </a:rPr>
               <a:t>На данной странице можно ознакомиться с подробным почасовым прогнозом погоды на трое суток вперед, включающем в себя температуру воздуха, ощущение, скорость и направление ветра, давление и влажность воздуха. К тому же в левом верхнем углу есть две кнопки: “Главная”, “Текущая погода в городе”, которые перенаправляют пользователя на соответствующие страницы.</a:t>
             </a:r>
           </a:p>
@@ -6810,14 +7583,14 @@
       </p:sp>
       <p:sp>
         <p:nvSpPr>
-          <p:cNvPr id="4" name="TextBox 3"/>
+          <p:cNvPr id="6" name="TextBox 5"/>
           <p:cNvSpPr txBox="1"/>
           <p:nvPr/>
         </p:nvSpPr>
         <p:spPr>
           <a:xfrm>
-            <a:off x="13676" y="3789040"/>
-            <a:ext cx="9144000" cy="1354217"/>
+            <a:off x="-2" y="0"/>
+            <a:ext cx="9143009" cy="3262432"/>
           </a:xfrm>
           <a:prstGeom prst="rect">
             <a:avLst/>
@@ -6831,14 +7604,47 @@
           <a:lstStyle/>
           <a:p>
             <a:r>
-              <a:rPr lang="ru-RU" sz="2400" i="1" u="sng" dirty="0"/>
-              <a:t>Ошибка(404)</a:t>
-            </a:r>
-          </a:p>
-          <a:p>
-            <a:r>
-              <a:rPr lang="ru-RU" sz="2000" b="1" dirty="0"/>
-              <a:t>В случае неправильно введенного адреса, у вас откроется страница с 404 ошибкой.</a:t>
+              <a:rPr lang="ru-RU" sz="3200" b="1" u="sng" dirty="0" smtClean="0">
+                <a:latin typeface="Times New Roman" pitchFamily="18" charset="0"/>
+                <a:cs typeface="Times New Roman" pitchFamily="18" charset="0"/>
+              </a:rPr>
+              <a:t>Интерфейс</a:t>
+            </a:r>
+          </a:p>
+          <a:p>
+            <a:endParaRPr lang="ru-RU" sz="3200" i="1" u="sng" dirty="0">
+              <a:latin typeface="Times New Roman" pitchFamily="18" charset="0"/>
+              <a:cs typeface="Times New Roman" pitchFamily="18" charset="0"/>
+            </a:endParaRPr>
+          </a:p>
+          <a:p>
+            <a:r>
+              <a:rPr lang="ru-RU" sz="2400" i="1" u="sng" dirty="0" smtClean="0">
+                <a:latin typeface="Times New Roman" pitchFamily="18" charset="0"/>
+                <a:cs typeface="Times New Roman" pitchFamily="18" charset="0"/>
+              </a:rPr>
+              <a:t>Текущая </a:t>
+            </a:r>
+            <a:r>
+              <a:rPr lang="ru-RU" sz="2400" i="1" u="sng" dirty="0">
+                <a:latin typeface="Times New Roman" pitchFamily="18" charset="0"/>
+                <a:cs typeface="Times New Roman" pitchFamily="18" charset="0"/>
+              </a:rPr>
+              <a:t>погода и время в выбранном городе(current_weather)</a:t>
+            </a:r>
+            <a:endParaRPr lang="ru-RU" sz="2400" u="sng" dirty="0">
+              <a:latin typeface="Times New Roman" pitchFamily="18" charset="0"/>
+              <a:cs typeface="Times New Roman" pitchFamily="18" charset="0"/>
+            </a:endParaRPr>
+          </a:p>
+          <a:p>
+            <a:pPr algn="just"/>
+            <a:r>
+              <a:rPr lang="ru-RU" sz="2000" b="1" dirty="0">
+                <a:latin typeface="Times New Roman" pitchFamily="18" charset="0"/>
+                <a:cs typeface="Times New Roman" pitchFamily="18" charset="0"/>
+              </a:rPr>
+              <a:t>На этой странице можно посмотреть точное время в выбранном городе и ознакомиться с текущей погодой в нем. Также в левом верхнем углу находится кнопка “Главная”, перенаправляющая пользователя на стартовую страницу. Кроме того, вы можете пройти по ссылке, открывающей страницу с подробным прогнозом погоды для выбранного города.</a:t>
             </a:r>
           </a:p>
           <a:p>
@@ -6846,16 +7652,46 @@
           </a:p>
         </p:txBody>
       </p:sp>
-      <p:sp>
-        <p:nvSpPr>
-          <p:cNvPr id="5" name="TextBox 4"/>
+    </p:spTree>
+    <p:extLst>
+      <p:ext uri="{BB962C8B-B14F-4D97-AF65-F5344CB8AC3E}">
+        <p14:creationId xmlns:p14="http://schemas.microsoft.com/office/powerpoint/2010/main" val="2767291169"/>
+      </p:ext>
+    </p:extLst>
+  </p:cSld>
+  <p:clrMapOvr>
+    <a:masterClrMapping/>
+  </p:clrMapOvr>
+</p:sld>
+</file>
+
+<file path=ppt/slides/slide6.xml><?xml version="1.0" encoding="utf-8"?>
+<p:sld xmlns:a="http://schemas.openxmlformats.org/drawingml/2006/main" xmlns:r="http://schemas.openxmlformats.org/officeDocument/2006/relationships" xmlns:p="http://schemas.openxmlformats.org/presentationml/2006/main">
+  <p:cSld>
+    <p:spTree>
+      <p:nvGrpSpPr>
+        <p:cNvPr id="1" name=""/>
+        <p:cNvGrpSpPr/>
+        <p:nvPr/>
+      </p:nvGrpSpPr>
+      <p:grpSpPr>
+        <a:xfrm>
+          <a:off x="0" y="0"/>
+          <a:ext cx="0" cy="0"/>
+          <a:chOff x="0" y="0"/>
+          <a:chExt cx="0" cy="0"/>
+        </a:xfrm>
+      </p:grpSpPr>
+      <p:sp>
+        <p:nvSpPr>
+          <p:cNvPr id="2" name="TextBox 1"/>
           <p:cNvSpPr txBox="1"/>
           <p:nvPr/>
         </p:nvSpPr>
         <p:spPr>
           <a:xfrm>
-            <a:off x="0" y="5143257"/>
-            <a:ext cx="9144000" cy="1077218"/>
+            <a:off x="0" y="2332"/>
+            <a:ext cx="9144000" cy="6617196"/>
           </a:xfrm>
           <a:prstGeom prst="rect">
             <a:avLst/>
@@ -6869,22 +7705,142 @@
           <a:lstStyle/>
           <a:p>
             <a:r>
-              <a:rPr lang="ru-RU" sz="2400" i="1" u="sng" dirty="0"/>
-              <a:t>Ошибка(500)</a:t>
-            </a:r>
-          </a:p>
-          <a:p>
-            <a:r>
-              <a:rPr lang="ru-RU" sz="2000" b="1" dirty="0"/>
-              <a:t>В случае неправильно введенного города или внутренних ошибок в коде, у вас откроется страница с ошибкой 500.</a:t>
-            </a:r>
+              <a:rPr lang="ru-RU" sz="3200" b="1" u="sng" dirty="0" smtClean="0">
+                <a:latin typeface="Times New Roman" pitchFamily="18" charset="0"/>
+                <a:cs typeface="Times New Roman" pitchFamily="18" charset="0"/>
+              </a:rPr>
+              <a:t>Вывод</a:t>
+            </a:r>
+          </a:p>
+          <a:p>
+            <a:endParaRPr lang="ru-RU" sz="3200" b="1" u="sng" dirty="0">
+              <a:latin typeface="Times New Roman" pitchFamily="18" charset="0"/>
+              <a:cs typeface="Times New Roman" pitchFamily="18" charset="0"/>
+            </a:endParaRPr>
+          </a:p>
+          <a:p>
+            <a:pPr algn="just"/>
+            <a:r>
+              <a:rPr lang="ru-RU" sz="2400" b="1" dirty="0" smtClean="0">
+                <a:latin typeface="Times New Roman" pitchFamily="18" charset="0"/>
+                <a:cs typeface="Times New Roman" pitchFamily="18" charset="0"/>
+              </a:rPr>
+              <a:t>Таким образом, наш проект предоставляет пользователю информацию о погоде и времени в необходимом городе в удобном и читаемом формате. Получить ее можно напрямую с сайта или обратившись к </a:t>
+            </a:r>
+            <a:r>
+              <a:rPr lang="en-US" sz="2400" b="1" dirty="0" smtClean="0">
+                <a:latin typeface="Times New Roman" pitchFamily="18" charset="0"/>
+                <a:cs typeface="Times New Roman" pitchFamily="18" charset="0"/>
+              </a:rPr>
+              <a:t>Telegram</a:t>
+            </a:r>
+            <a:r>
+              <a:rPr lang="ru-RU" sz="2400" b="1" dirty="0" smtClean="0">
+                <a:latin typeface="Times New Roman" pitchFamily="18" charset="0"/>
+                <a:cs typeface="Times New Roman" pitchFamily="18" charset="0"/>
+              </a:rPr>
+              <a:t>-боту. Мы надеемся, что эти сведения будут полезны для пользователей, и наш проект найдет практическое применение в жизни.</a:t>
+            </a:r>
+          </a:p>
+          <a:p>
+            <a:pPr algn="just"/>
+            <a:endParaRPr lang="ru-RU" sz="3200" b="1" dirty="0">
+              <a:latin typeface="Times New Roman" pitchFamily="18" charset="0"/>
+              <a:cs typeface="Times New Roman" pitchFamily="18" charset="0"/>
+            </a:endParaRPr>
+          </a:p>
+          <a:p>
+            <a:pPr algn="just"/>
+            <a:r>
+              <a:rPr lang="ru-RU" sz="3200" b="1" u="sng" dirty="0" smtClean="0">
+                <a:latin typeface="Times New Roman" pitchFamily="18" charset="0"/>
+                <a:cs typeface="Times New Roman" pitchFamily="18" charset="0"/>
+              </a:rPr>
+              <a:t>Пути дальнейшего развития</a:t>
+            </a:r>
+          </a:p>
+          <a:p>
+            <a:pPr algn="just"/>
+            <a:endParaRPr lang="ru-RU" sz="3200" b="1" u="sng" dirty="0">
+              <a:latin typeface="Times New Roman" pitchFamily="18" charset="0"/>
+              <a:cs typeface="Times New Roman" pitchFamily="18" charset="0"/>
+            </a:endParaRPr>
+          </a:p>
+          <a:p>
+            <a:pPr marL="342900" indent="-342900" algn="just">
+              <a:buFont typeface="Arial" pitchFamily="34" charset="0"/>
+              <a:buChar char="•"/>
+            </a:pPr>
+            <a:r>
+              <a:rPr lang="ru-RU" sz="2400" b="1" dirty="0" smtClean="0">
+                <a:latin typeface="Times New Roman" pitchFamily="18" charset="0"/>
+                <a:cs typeface="Times New Roman" pitchFamily="18" charset="0"/>
+              </a:rPr>
+              <a:t>Добавить поддержку большего количества городов;</a:t>
+            </a:r>
+          </a:p>
+          <a:p>
+            <a:pPr marL="342900" indent="-342900" algn="just">
+              <a:buFont typeface="Arial" pitchFamily="34" charset="0"/>
+              <a:buChar char="•"/>
+            </a:pPr>
+            <a:r>
+              <a:rPr lang="ru-RU" sz="2400" b="1" dirty="0" smtClean="0">
+                <a:latin typeface="Times New Roman" pitchFamily="18" charset="0"/>
+                <a:cs typeface="Times New Roman" pitchFamily="18" charset="0"/>
+              </a:rPr>
+              <a:t>Сделать дизайн сайта еще лучше и удобнее;</a:t>
+            </a:r>
+          </a:p>
+          <a:p>
+            <a:pPr marL="342900" indent="-342900" algn="just">
+              <a:buFont typeface="Arial" pitchFamily="34" charset="0"/>
+              <a:buChar char="•"/>
+            </a:pPr>
+            <a:r>
+              <a:rPr lang="ru-RU" sz="2400" b="1" dirty="0" smtClean="0">
+                <a:latin typeface="Times New Roman" pitchFamily="18" charset="0"/>
+                <a:cs typeface="Times New Roman" pitchFamily="18" charset="0"/>
+              </a:rPr>
+              <a:t>Адаптировать наш сайт под мобильные устройства;</a:t>
+            </a:r>
+          </a:p>
+          <a:p>
+            <a:pPr marL="342900" indent="-342900" algn="just">
+              <a:buFont typeface="Arial" pitchFamily="34" charset="0"/>
+              <a:buChar char="•"/>
+            </a:pPr>
+            <a:r>
+              <a:rPr lang="ru-RU" sz="2400" b="1" dirty="0" smtClean="0">
+                <a:latin typeface="Times New Roman" pitchFamily="18" charset="0"/>
+                <a:cs typeface="Times New Roman" pitchFamily="18" charset="0"/>
+              </a:rPr>
+              <a:t>Добавить больше информации о погоде;</a:t>
+            </a:r>
+          </a:p>
+          <a:p>
+            <a:pPr marL="342900" indent="-342900" algn="just">
+              <a:buFont typeface="Arial" pitchFamily="34" charset="0"/>
+              <a:buChar char="•"/>
+            </a:pPr>
+            <a:r>
+              <a:rPr lang="ru-RU" sz="2400" b="1" dirty="0" smtClean="0">
+                <a:latin typeface="Times New Roman" pitchFamily="18" charset="0"/>
+                <a:cs typeface="Times New Roman" pitchFamily="18" charset="0"/>
+              </a:rPr>
+              <a:t>Добавить возможность поиска местности на карте.</a:t>
+            </a:r>
+            <a:endParaRPr lang="ru-RU" sz="2400" b="1" dirty="0">
+              <a:latin typeface="Times New Roman" pitchFamily="18" charset="0"/>
+              <a:cs typeface="Times New Roman" pitchFamily="18" charset="0"/>
+            </a:endParaRPr>
           </a:p>
         </p:txBody>
       </p:sp>
     </p:spTree>
     <p:extLst>
       <p:ext uri="{BB962C8B-B14F-4D97-AF65-F5344CB8AC3E}">
-        <p14:creationId xmlns:p14="http://schemas.microsoft.com/office/powerpoint/2010/main" val="2767291169"/>
+        <p14:creationId xmlns:p14="http://schemas.microsoft.com/office/powerpoint/2010/main" val="3305719498"/>
       </p:ext>
     </p:extLst>
   </p:cSld>
@@ -7162,4 +8118,289 @@
     </a:ext>
   </a:extLst>
 </a:theme>
+</file>
+
+<file path=ppt/theme/theme2.xml><?xml version="1.0" encoding="utf-8"?>
+<a:theme xmlns:a="http://schemas.openxmlformats.org/drawingml/2006/main" name="Тема Office">
+  <a:themeElements>
+    <a:clrScheme name="Стандартная">
+      <a:dk1>
+        <a:sysClr val="windowText" lastClr="000000"/>
+      </a:dk1>
+      <a:lt1>
+        <a:sysClr val="window" lastClr="FFFFFF"/>
+      </a:lt1>
+      <a:dk2>
+        <a:srgbClr val="1F497D"/>
+      </a:dk2>
+      <a:lt2>
+        <a:srgbClr val="EEECE1"/>
+      </a:lt2>
+      <a:accent1>
+        <a:srgbClr val="4F81BD"/>
+      </a:accent1>
+      <a:accent2>
+        <a:srgbClr val="C0504D"/>
+      </a:accent2>
+      <a:accent3>
+        <a:srgbClr val="9BBB59"/>
+      </a:accent3>
+      <a:accent4>
+        <a:srgbClr val="8064A2"/>
+      </a:accent4>
+      <a:accent5>
+        <a:srgbClr val="4BACC6"/>
+      </a:accent5>
+      <a:accent6>
+        <a:srgbClr val="F79646"/>
+      </a:accent6>
+      <a:hlink>
+        <a:srgbClr val="0000FF"/>
+      </a:hlink>
+      <a:folHlink>
+        <a:srgbClr val="800080"/>
+      </a:folHlink>
+    </a:clrScheme>
+    <a:fontScheme name="Стандартная">
+      <a:majorFont>
+        <a:latin typeface="Calibri"/>
+        <a:ea typeface=""/>
+        <a:cs typeface=""/>
+        <a:font script="Jpan" typeface="ＭＳ Ｐゴシック"/>
+        <a:font script="Hang" typeface="맑은 고딕"/>
+        <a:font script="Hans" typeface="宋体"/>
+        <a:font script="Hant" typeface="新細明體"/>
+        <a:font script="Arab" typeface="Times New Roman"/>
+        <a:font script="Hebr" typeface="Times New Roman"/>
+        <a:font script="Thai" typeface="Angsana New"/>
+        <a:font script="Ethi" typeface="Nyala"/>
+        <a:font script="Beng" typeface="Vrinda"/>
+        <a:font script="Gujr" typeface="Shruti"/>
+        <a:font script="Khmr" typeface="MoolBoran"/>
+        <a:font script="Knda" typeface="Tunga"/>
+        <a:font script="Guru" typeface="Raavi"/>
+        <a:font script="Cans" typeface="Euphemia"/>
+        <a:font script="Cher" typeface="Plantagenet Cherokee"/>
+        <a:font script="Yiii" typeface="Microsoft Yi Baiti"/>
+        <a:font script="Tibt" typeface="Microsoft Himalaya"/>
+        <a:font script="Thaa" typeface="MV Boli"/>
+        <a:font script="Deva" typeface="Mangal"/>
+        <a:font script="Telu" typeface="Gautami"/>
+        <a:font script="Taml" typeface="Latha"/>
+        <a:font script="Syrc" typeface="Estrangelo Edessa"/>
+        <a:font script="Orya" typeface="Kalinga"/>
+        <a:font script="Mlym" typeface="Kartika"/>
+        <a:font script="Laoo" typeface="DokChampa"/>
+        <a:font script="Sinh" typeface="Iskoola Pota"/>
+        <a:font script="Mong" typeface="Mongolian Baiti"/>
+        <a:font script="Viet" typeface="Times New Roman"/>
+        <a:font script="Uigh" typeface="Microsoft Uighur"/>
+        <a:font script="Geor" typeface="Sylfaen"/>
+      </a:majorFont>
+      <a:minorFont>
+        <a:latin typeface="Calibri"/>
+        <a:ea typeface=""/>
+        <a:cs typeface=""/>
+        <a:font script="Jpan" typeface="ＭＳ Ｐゴシック"/>
+        <a:font script="Hang" typeface="맑은 고딕"/>
+        <a:font script="Hans" typeface="宋体"/>
+        <a:font script="Hant" typeface="新細明體"/>
+        <a:font script="Arab" typeface="Arial"/>
+        <a:font script="Hebr" typeface="Arial"/>
+        <a:font script="Thai" typeface="Cordia New"/>
+        <a:font script="Ethi" typeface="Nyala"/>
+        <a:font script="Beng" typeface="Vrinda"/>
+        <a:font script="Gujr" typeface="Shruti"/>
+        <a:font script="Khmr" typeface="DaunPenh"/>
+        <a:font script="Knda" typeface="Tunga"/>
+        <a:font script="Guru" typeface="Raavi"/>
+        <a:font script="Cans" typeface="Euphemia"/>
+        <a:font script="Cher" typeface="Plantagenet Cherokee"/>
+        <a:font script="Yiii" typeface="Microsoft Yi Baiti"/>
+        <a:font script="Tibt" typeface="Microsoft Himalaya"/>
+        <a:font script="Thaa" typeface="MV Boli"/>
+        <a:font script="Deva" typeface="Mangal"/>
+        <a:font script="Telu" typeface="Gautami"/>
+        <a:font script="Taml" typeface="Latha"/>
+        <a:font script="Syrc" typeface="Estrangelo Edessa"/>
+        <a:font script="Orya" typeface="Kalinga"/>
+        <a:font script="Mlym" typeface="Kartika"/>
+        <a:font script="Laoo" typeface="DokChampa"/>
+        <a:font script="Sinh" typeface="Iskoola Pota"/>
+        <a:font script="Mong" typeface="Mongolian Baiti"/>
+        <a:font script="Viet" typeface="Arial"/>
+        <a:font script="Uigh" typeface="Microsoft Uighur"/>
+        <a:font script="Geor" typeface="Sylfaen"/>
+      </a:minorFont>
+    </a:fontScheme>
+    <a:fmtScheme name="Стандартная">
+      <a:fillStyleLst>
+        <a:solidFill>
+          <a:schemeClr val="phClr"/>
+        </a:solidFill>
+        <a:gradFill rotWithShape="1">
+          <a:gsLst>
+            <a:gs pos="0">
+              <a:schemeClr val="phClr">
+                <a:tint val="50000"/>
+                <a:satMod val="300000"/>
+              </a:schemeClr>
+            </a:gs>
+            <a:gs pos="35000">
+              <a:schemeClr val="phClr">
+                <a:tint val="37000"/>
+                <a:satMod val="300000"/>
+              </a:schemeClr>
+            </a:gs>
+            <a:gs pos="100000">
+              <a:schemeClr val="phClr">
+                <a:tint val="15000"/>
+                <a:satMod val="350000"/>
+              </a:schemeClr>
+            </a:gs>
+          </a:gsLst>
+          <a:lin ang="16200000" scaled="1"/>
+        </a:gradFill>
+        <a:gradFill rotWithShape="1">
+          <a:gsLst>
+            <a:gs pos="0">
+              <a:schemeClr val="phClr">
+                <a:shade val="51000"/>
+                <a:satMod val="130000"/>
+              </a:schemeClr>
+            </a:gs>
+            <a:gs pos="80000">
+              <a:schemeClr val="phClr">
+                <a:shade val="93000"/>
+                <a:satMod val="130000"/>
+              </a:schemeClr>
+            </a:gs>
+            <a:gs pos="100000">
+              <a:schemeClr val="phClr">
+                <a:shade val="94000"/>
+                <a:satMod val="135000"/>
+              </a:schemeClr>
+            </a:gs>
+          </a:gsLst>
+          <a:lin ang="16200000" scaled="0"/>
+        </a:gradFill>
+      </a:fillStyleLst>
+      <a:lnStyleLst>
+        <a:ln w="9525" cap="flat" cmpd="sng" algn="ctr">
+          <a:solidFill>
+            <a:schemeClr val="phClr">
+              <a:shade val="95000"/>
+              <a:satMod val="105000"/>
+            </a:schemeClr>
+          </a:solidFill>
+          <a:prstDash val="solid"/>
+        </a:ln>
+        <a:ln w="25400" cap="flat" cmpd="sng" algn="ctr">
+          <a:solidFill>
+            <a:schemeClr val="phClr"/>
+          </a:solidFill>
+          <a:prstDash val="solid"/>
+        </a:ln>
+        <a:ln w="38100" cap="flat" cmpd="sng" algn="ctr">
+          <a:solidFill>
+            <a:schemeClr val="phClr"/>
+          </a:solidFill>
+          <a:prstDash val="solid"/>
+        </a:ln>
+      </a:lnStyleLst>
+      <a:effectStyleLst>
+        <a:effectStyle>
+          <a:effectLst>
+            <a:outerShdw blurRad="40000" dist="20000" dir="5400000" rotWithShape="0">
+              <a:srgbClr val="000000">
+                <a:alpha val="38000"/>
+              </a:srgbClr>
+            </a:outerShdw>
+          </a:effectLst>
+        </a:effectStyle>
+        <a:effectStyle>
+          <a:effectLst>
+            <a:outerShdw blurRad="40000" dist="23000" dir="5400000" rotWithShape="0">
+              <a:srgbClr val="000000">
+                <a:alpha val="35000"/>
+              </a:srgbClr>
+            </a:outerShdw>
+          </a:effectLst>
+        </a:effectStyle>
+        <a:effectStyle>
+          <a:effectLst>
+            <a:outerShdw blurRad="40000" dist="23000" dir="5400000" rotWithShape="0">
+              <a:srgbClr val="000000">
+                <a:alpha val="35000"/>
+              </a:srgbClr>
+            </a:outerShdw>
+          </a:effectLst>
+          <a:scene3d>
+            <a:camera prst="orthographicFront">
+              <a:rot lat="0" lon="0" rev="0"/>
+            </a:camera>
+            <a:lightRig rig="threePt" dir="t">
+              <a:rot lat="0" lon="0" rev="1200000"/>
+            </a:lightRig>
+          </a:scene3d>
+          <a:sp3d>
+            <a:bevelT w="63500" h="25400"/>
+          </a:sp3d>
+        </a:effectStyle>
+      </a:effectStyleLst>
+      <a:bgFillStyleLst>
+        <a:solidFill>
+          <a:schemeClr val="phClr"/>
+        </a:solidFill>
+        <a:gradFill rotWithShape="1">
+          <a:gsLst>
+            <a:gs pos="0">
+              <a:schemeClr val="phClr">
+                <a:tint val="40000"/>
+                <a:satMod val="350000"/>
+              </a:schemeClr>
+            </a:gs>
+            <a:gs pos="40000">
+              <a:schemeClr val="phClr">
+                <a:tint val="45000"/>
+                <a:shade val="99000"/>
+                <a:satMod val="350000"/>
+              </a:schemeClr>
+            </a:gs>
+            <a:gs pos="100000">
+              <a:schemeClr val="phClr">
+                <a:shade val="20000"/>
+                <a:satMod val="255000"/>
+              </a:schemeClr>
+            </a:gs>
+          </a:gsLst>
+          <a:path path="circle">
+            <a:fillToRect l="50000" t="-80000" r="50000" b="180000"/>
+          </a:path>
+        </a:gradFill>
+        <a:gradFill rotWithShape="1">
+          <a:gsLst>
+            <a:gs pos="0">
+              <a:schemeClr val="phClr">
+                <a:tint val="80000"/>
+                <a:satMod val="300000"/>
+              </a:schemeClr>
+            </a:gs>
+            <a:gs pos="100000">
+              <a:schemeClr val="phClr">
+                <a:shade val="30000"/>
+                <a:satMod val="200000"/>
+              </a:schemeClr>
+            </a:gs>
+          </a:gsLst>
+          <a:path path="circle">
+            <a:fillToRect l="50000" t="50000" r="50000" b="50000"/>
+          </a:path>
+        </a:gradFill>
+      </a:bgFillStyleLst>
+    </a:fmtScheme>
+  </a:themeElements>
+  <a:objectDefaults/>
+  <a:extraClrSchemeLst/>
+</a:theme>
 </file>